--- a/27-CKV.pptx
+++ b/27-CKV.pptx
@@ -22,6 +22,9 @@
     <p:sldId id="267" r:id="rId13"/>
     <p:sldId id="268" r:id="rId14"/>
     <p:sldId id="269" r:id="rId15"/>
+    <p:sldId id="270" r:id="rId16"/>
+    <p:sldId id="271" r:id="rId17"/>
+    <p:sldId id="272" r:id="rId18"/>
   </p:sldIdLst>
   <p:sldSz cx="12189460" cy="6858000"/>
   <p:notesSz cx="9144000" cy="6858000"/>
@@ -5566,6 +5569,343 @@
               <a:t>De nuevo se ve que la variabilidad asociaoda al modo anular tiene coherencia temporal entre distintas longitudes.</a:t>
             </a:r>
           </a:p>
+        </p:txBody>
+      </p:sp>
+    </p:spTree>
+  </p:cSld>
+</p:sld>
+</file>
+
+<file path=ppt/slides/slide15.xml><?xml version="1.0" encoding="utf-8"?>
+<p:sld xmlns:a="http://schemas.openxmlformats.org/drawingml/2006/main" xmlns:r="http://schemas.openxmlformats.org/officeDocument/2006/relationships" xmlns:p="http://schemas.openxmlformats.org/presentationml/2006/main">
+  <p:cSld>
+    <p:spTree>
+      <p:nvGrpSpPr>
+        <p:cNvPr id="1" name=""/>
+        <p:cNvGrpSpPr/>
+        <p:nvPr/>
+      </p:nvGrpSpPr>
+      <p:grpSpPr>
+        <a:xfrm>
+          <a:off x="0" y="0"/>
+          <a:ext cx="0" cy="0"/>
+          <a:chOff x="0" y="0"/>
+          <a:chExt cx="0" cy="0"/>
+        </a:xfrm>
+      </p:grpSpPr>
+      <p:pic>
+        <p:nvPicPr>
+          <p:cNvPr descr="fig/27-CKV/unnamed-chunk-8-1.png" id="0" name="Picture 1"/>
+          <p:cNvPicPr>
+            <a:picLocks noGrp="1" noChangeAspect="1"/>
+          </p:cNvPicPr>
+          <p:nvPr/>
+        </p:nvPicPr>
+        <p:blipFill>
+          <a:blip r:embed="rId2"/>
+          <a:stretch>
+            <a:fillRect/>
+          </a:stretch>
+        </p:blipFill>
+        <p:spPr bwMode="auto">
+          <a:xfrm>
+            <a:off x="977900" y="127000"/>
+            <a:ext cx="10160000" cy="6032500"/>
+          </a:xfrm>
+          <a:prstGeom prst="rect">
+            <a:avLst/>
+          </a:prstGeom>
+          <a:noFill/>
+          <a:ln w="9525">
+            <a:noFill/>
+            <a:headEnd/>
+            <a:tailEnd/>
+          </a:ln>
+        </p:spPr>
+      </p:pic>
+      <p:sp>
+        <p:nvSpPr>
+          <p:cNvPr id="1" name="TextBox 3"/>
+          <p:cNvSpPr txBox="1"/>
+          <p:nvPr/>
+        </p:nvSpPr>
+        <p:spPr>
+          <a:xfrm>
+            <a:off x="177800" y="6159500"/>
+            <a:ext cx="11772900" cy="508000"/>
+          </a:xfrm>
+          <a:prstGeom prst="rect">
+            <a:avLst/>
+          </a:prstGeom>
+          <a:noFill/>
+        </p:spPr>
+        <p:txBody>
+          <a:bodyPr/>
+          <a:lstStyle/>
+          <a:p>
+            <a:pPr lvl="0" marL="0" indent="0" algn="ctr">
+              <a:buNone/>
+            </a:pPr>
+            <a:r>
+              <a:rPr/>
+              <a:t>Regresión</a:t>
+            </a:r>
+            <a:r>
+              <a:rPr/>
+              <a:t> </a:t>
+            </a:r>
+            <a:r>
+              <a:rPr/>
+              <a:t>entre</a:t>
+            </a:r>
+            <a:r>
+              <a:rPr/>
+              <a:t> </a:t>
+            </a:r>
+            <a:r>
+              <a:rPr/>
+              <a:t>el</a:t>
+            </a:r>
+            <a:r>
+              <a:rPr/>
+              <a:t> </a:t>
+            </a:r>
+            <a:r>
+              <a:rPr/>
+              <a:t>EOF1</a:t>
+            </a:r>
+            <a:r>
+              <a:rPr/>
+              <a:t> </a:t>
+            </a:r>
+            <a:r>
+              <a:rPr/>
+              <a:t>calculado</a:t>
+            </a:r>
+            <a:r>
+              <a:rPr/>
+              <a:t> </a:t>
+            </a:r>
+            <a:r>
+              <a:rPr/>
+              <a:t>usando</a:t>
+            </a:r>
+            <a:r>
+              <a:rPr/>
+              <a:t> </a:t>
+            </a:r>
+            <a:r>
+              <a:rPr/>
+              <a:t>distintos</a:t>
+            </a:r>
+            <a:r>
+              <a:rPr/>
+              <a:t> </a:t>
+            </a:r>
+            <a:r>
+              <a:rPr/>
+              <a:t>“</a:t>
+            </a:r>
+            <a:r>
+              <a:rPr/>
+              <a:t>gajos</a:t>
+            </a:r>
+            <a:r>
+              <a:rPr/>
+              <a:t>”</a:t>
+            </a:r>
+            <a:r>
+              <a:rPr/>
+              <a:t> </a:t>
+            </a:r>
+            <a:r>
+              <a:rPr/>
+              <a:t>(marados</a:t>
+            </a:r>
+            <a:r>
+              <a:rPr/>
+              <a:t> </a:t>
+            </a:r>
+            <a:r>
+              <a:rPr/>
+              <a:t>con</a:t>
+            </a:r>
+            <a:r>
+              <a:rPr/>
+              <a:t> </a:t>
+            </a:r>
+            <a:r>
+              <a:rPr/>
+              <a:t>las</a:t>
+            </a:r>
+            <a:r>
+              <a:rPr/>
+              <a:t> </a:t>
+            </a:r>
+            <a:r>
+              <a:rPr/>
+              <a:t>líneas</a:t>
+            </a:r>
+            <a:r>
+              <a:rPr/>
+              <a:t> </a:t>
+            </a:r>
+            <a:r>
+              <a:rPr/>
+              <a:t>meridionales)</a:t>
+            </a:r>
+            <a:r>
+              <a:rPr/>
+              <a:t> </a:t>
+            </a:r>
+            <a:r>
+              <a:rPr/>
+              <a:t>y</a:t>
+            </a:r>
+            <a:r>
+              <a:rPr/>
+              <a:t> </a:t>
+            </a:r>
+            <a:r>
+              <a:rPr/>
+              <a:t>la</a:t>
+            </a:r>
+            <a:r>
+              <a:rPr/>
+              <a:t> </a:t>
+            </a:r>
+            <a:r>
+              <a:rPr/>
+              <a:t>altura</a:t>
+            </a:r>
+            <a:r>
+              <a:rPr/>
+              <a:t> </a:t>
+            </a:r>
+            <a:r>
+              <a:rPr/>
+              <a:t>geopotencial</a:t>
+            </a:r>
+            <a:r>
+              <a:rPr/>
+              <a:t> </a:t>
+            </a:r>
+            <a:r>
+              <a:rPr/>
+              <a:t>en</a:t>
+            </a:r>
+            <a:r>
+              <a:rPr/>
+              <a:t> </a:t>
+            </a:r>
+            <a:r>
+              <a:rPr/>
+              <a:t>700hPa.</a:t>
+            </a:r>
+          </a:p>
+        </p:txBody>
+      </p:sp>
+    </p:spTree>
+  </p:cSld>
+</p:sld>
+</file>
+
+<file path=ppt/slides/slide16.xml><?xml version="1.0" encoding="utf-8"?>
+<p:sld xmlns:a="http://schemas.openxmlformats.org/drawingml/2006/main" xmlns:r="http://schemas.openxmlformats.org/officeDocument/2006/relationships" xmlns:p="http://schemas.openxmlformats.org/presentationml/2006/main">
+  <p:cSld>
+    <p:spTree>
+      <p:nvGrpSpPr>
+        <p:cNvPr id="1" name=""/>
+        <p:cNvGrpSpPr/>
+        <p:nvPr/>
+      </p:nvGrpSpPr>
+      <p:grpSpPr>
+        <a:xfrm>
+          <a:off x="0" y="0"/>
+          <a:ext cx="0" cy="0"/>
+          <a:chOff x="0" y="0"/>
+          <a:chExt cx="0" cy="0"/>
+        </a:xfrm>
+      </p:grpSpPr>
+      <p:sp>
+        <p:nvSpPr>
+          <p:cNvPr id="3" name="Content Placeholder 2"/>
+          <p:cNvSpPr>
+            <a:spLocks noGrp="1"/>
+          </p:cNvSpPr>
+          <p:nvPr>
+            <p:ph idx="1"/>
+          </p:nvPr>
+        </p:nvSpPr>
+        <p:spPr/>
+        <p:txBody>
+          <a:bodyPr/>
+          <a:lstStyle/>
+          <a:p>
+            <a:pPr lvl="0" marL="0" indent="0">
+              <a:buNone/>
+            </a:pPr>
+            <a:r>
+              <a:rPr/>
+              <a:t>Estas regresiones confirman nuevamente que la variabilidad asociada al modo anular es coherente en todo el hemisferio. Hay diferencias, por supuesto, que se dan debido a que:</a:t>
+            </a:r>
+          </a:p>
+          <a:p>
+            <a:pPr lvl="1">
+              <a:buAutoNum type="arabicPeriod"/>
+            </a:pPr>
+            <a:r>
+              <a:rPr/>
+              <a:t>El patrón del modo anular no es 100% simétrico sino que hay centros de acción relativamente más intensos. Por lo que es lógico que el EOF computado en un área que incluye ese centro de acción represente más lo que pasa en ese centro que lo que pasa en el resto del hemisferio.</a:t>
+            </a:r>
+          </a:p>
+          <a:p>
+            <a:pPr lvl="1">
+              <a:buAutoNum type="arabicPeriod"/>
+            </a:pPr>
+            <a:r>
+              <a:rPr/>
+              <a:t>Hay otros procesos además del SAM que afectan la variabilidad local, por lo que también es de esperar que éstos queden mezclados cuando se hace el EOF más local. Esto se nota particularmente en la regresión hecha con el EOF centrado en 120 °P y 60°O, donde hay una clara influencia de un patŕon tipo PSA2.</a:t>
+            </a:r>
+          </a:p>
+        </p:txBody>
+      </p:sp>
+    </p:spTree>
+  </p:cSld>
+</p:sld>
+</file>
+
+<file path=ppt/slides/slide17.xml><?xml version="1.0" encoding="utf-8"?>
+<p:sld xmlns:a="http://schemas.openxmlformats.org/drawingml/2006/main" xmlns:r="http://schemas.openxmlformats.org/officeDocument/2006/relationships" xmlns:p="http://schemas.openxmlformats.org/presentationml/2006/main">
+  <p:cSld>
+    <p:spTree>
+      <p:nvGrpSpPr>
+        <p:cNvPr id="1" name=""/>
+        <p:cNvGrpSpPr/>
+        <p:nvPr/>
+      </p:nvGrpSpPr>
+      <p:grpSpPr>
+        <a:xfrm>
+          <a:off x="0" y="0"/>
+          <a:ext cx="0" cy="0"/>
+          <a:chOff x="0" y="0"/>
+          <a:chExt cx="0" cy="0"/>
+        </a:xfrm>
+      </p:grpSpPr>
+      <p:sp>
+        <p:nvSpPr>
+          <p:cNvPr id="3" name="Content Placeholder 2"/>
+          <p:cNvSpPr>
+            <a:spLocks noGrp="1"/>
+          </p:cNvSpPr>
+          <p:nvPr>
+            <p:ph idx="1"/>
+          </p:nvPr>
+        </p:nvSpPr>
+        <p:spPr/>
+        <p:txBody>
+          <a:bodyPr/>
+          <a:lstStyle/>
           <a:p>
             <a:pPr lvl="0" marL="0" indent="0">
               <a:spcBef>
@@ -5589,7 +5929,7 @@
             <a:pPr lvl="1"/>
             <a:r>
               <a:rPr/>
-              <a:t>Los datos observados, sin embargo, parecerían mostrar que el modo anular sí es una característica física coherente de la atmósfera.</a:t>
+              <a:t>Usando los datos de reanálisis, el patrón anular aparece coherente usando varias metodologías distintas, por lo que no parece ser un artefacto estadístico sino unaa característica física coherente de la atmósfera.</a:t>
             </a:r>
           </a:p>
           <a:p>

--- a/27-CKV.pptx
+++ b/27-CKV.pptx
@@ -25,6 +25,15 @@
     <p:sldId id="270" r:id="rId16"/>
     <p:sldId id="271" r:id="rId17"/>
     <p:sldId id="272" r:id="rId18"/>
+    <p:sldId id="273" r:id="rId19"/>
+    <p:sldId id="274" r:id="rId20"/>
+    <p:sldId id="275" r:id="rId21"/>
+    <p:sldId id="276" r:id="rId22"/>
+    <p:sldId id="277" r:id="rId23"/>
+    <p:sldId id="278" r:id="rId24"/>
+    <p:sldId id="279" r:id="rId25"/>
+    <p:sldId id="280" r:id="rId26"/>
+    <p:sldId id="281" r:id="rId27"/>
   </p:sldIdLst>
   <p:sldSz cx="12189460" cy="6858000"/>
   <p:notesSz cx="9144000" cy="6858000"/>
@@ -5894,6 +5903,98 @@
       </p:grpSpPr>
       <p:sp>
         <p:nvSpPr>
+          <p:cNvPr id="2" name="Title 1"/>
+          <p:cNvSpPr>
+            <a:spLocks noGrp="1"/>
+          </p:cNvSpPr>
+          <p:nvPr>
+            <p:ph type="title"/>
+          </p:nvPr>
+        </p:nvSpPr>
+        <p:spPr>
+          <a:xfrm>
+            <a:off x="831687" y="1709738"/>
+            <a:ext cx="10513530" cy="2852737"/>
+          </a:xfrm>
+        </p:spPr>
+        <p:txBody>
+          <a:bodyPr/>
+          <a:lstStyle/>
+          <a:p>
+            <a:pPr lvl="0" marL="0" indent="0">
+              <a:buNone/>
+            </a:pPr>
+            <a:r>
+              <a:rPr/>
+              <a:t>Cómo</a:t>
+            </a:r>
+            <a:r>
+              <a:rPr/>
+              <a:t> </a:t>
+            </a:r>
+            <a:r>
+              <a:rPr/>
+              <a:t>se</a:t>
+            </a:r>
+            <a:r>
+              <a:rPr/>
+              <a:t> </a:t>
+            </a:r>
+            <a:r>
+              <a:rPr/>
+              <a:t>vería</a:t>
+            </a:r>
+            <a:r>
+              <a:rPr/>
+              <a:t> </a:t>
+            </a:r>
+            <a:r>
+              <a:rPr/>
+              <a:t>la</a:t>
+            </a:r>
+            <a:r>
+              <a:rPr/>
+              <a:t> </a:t>
+            </a:r>
+            <a:r>
+              <a:rPr/>
+              <a:t>hipótesis</a:t>
+            </a:r>
+            <a:r>
+              <a:rPr/>
+              <a:t> </a:t>
+            </a:r>
+            <a:r>
+              <a:rPr/>
+              <a:t>nula?</a:t>
+            </a:r>
+          </a:p>
+        </p:txBody>
+      </p:sp>
+    </p:spTree>
+  </p:cSld>
+</p:sld>
+</file>
+
+<file path=ppt/slides/slide18.xml><?xml version="1.0" encoding="utf-8"?>
+<p:sld xmlns:a="http://schemas.openxmlformats.org/drawingml/2006/main" xmlns:r="http://schemas.openxmlformats.org/officeDocument/2006/relationships" xmlns:p="http://schemas.openxmlformats.org/presentationml/2006/main">
+  <p:cSld>
+    <p:spTree>
+      <p:nvGrpSpPr>
+        <p:cNvPr id="1" name=""/>
+        <p:cNvGrpSpPr/>
+        <p:nvPr/>
+      </p:nvGrpSpPr>
+      <p:grpSpPr>
+        <a:xfrm>
+          <a:off x="0" y="0"/>
+          <a:ext cx="0" cy="0"/>
+          <a:chOff x="0" y="0"/>
+          <a:chExt cx="0" cy="0"/>
+        </a:xfrm>
+      </p:grpSpPr>
+      <p:sp>
+        <p:nvSpPr>
           <p:cNvPr id="3" name="Content Placeholder 2"/>
           <p:cNvSpPr>
             <a:spLocks noGrp="1"/>
@@ -5908,42 +6009,296 @@
           <a:lstStyle/>
           <a:p>
             <a:pPr lvl="0" marL="0" indent="0">
-              <a:spcBef>
-                <a:spcPts val="3000"/>
-              </a:spcBef>
               <a:buNone/>
             </a:pPr>
             <a:r>
-              <a:rPr b="1"/>
-              <a:t>Conclusión:</a:t>
-            </a:r>
-          </a:p>
-          <a:p>
-            <a:pPr lvl="1"/>
-            <a:r>
-              <a:rPr/>
-              <a:t>El punto de CKV es interesante: ver un modo anular en el EOF no implica necesariamente que éste exista en los datos; puede ser un artefacto estadístico.</a:t>
-            </a:r>
-          </a:p>
-          <a:p>
-            <a:pPr lvl="1"/>
-            <a:r>
-              <a:rPr/>
-              <a:t>Usando los datos de reanálisis, el patrón anular aparece coherente usando varias metodologías distintas, por lo que no parece ser un artefacto estadístico sino unaa característica física coherente de la atmósfera.</a:t>
-            </a:r>
-          </a:p>
-          <a:p>
-            <a:pPr lvl="1"/>
-            <a:r>
-              <a:rPr/>
-              <a:t>Casos específicos de “eventos SAM” por supuesto que no van a ser idénticos al patrón general ya que además están afectados por un montón de otros procesos.</a:t>
-            </a:r>
-          </a:p>
-          <a:p>
-            <a:pPr lvl="1"/>
-            <a:r>
-              <a:rPr/>
-              <a:t>Estaría bueno hacer este mismo análisis en el aquaplanet.</a:t>
+              <a:rPr/>
+              <a:t>No tengo los datos de CKV, entonces lo que voy a hacer es simular estadísticamente la hipótesis de que los eventos de modo anular son en realidad eventos localizados con una escala de entre 60°-90°. La metodología es:</a:t>
+            </a:r>
+          </a:p>
+          <a:p>
+            <a:pPr lvl="1">
+              <a:buAutoNum type="arabicPeriod"/>
+            </a:pPr>
+            <a:r>
+              <a:rPr/>
+              <a:t>Calcular la parte simétrica del modo anular.</a:t>
+            </a:r>
+          </a:p>
+          <a:p>
+            <a:pPr lvl="1">
+              <a:buAutoNum type="arabicPeriod"/>
+            </a:pPr>
+            <a:r>
+              <a:rPr/>
+              <a:t>Para cada fecha, decidir aleatoriamente una “longitud central” que va a ser el lugar donde se localizan las anomalías.</a:t>
+            </a:r>
+          </a:p>
+          <a:p>
+            <a:pPr lvl="1">
+              <a:buAutoNum type="arabicPeriod"/>
+            </a:pPr>
+            <a:r>
+              <a:rPr/>
+              <a:t>Computar el campo de geopotencial explicado por el modo anular totalmente simétrico (es decir, multiplicando el patrón espacial por el valor temporal) y multiplicar ese campo por una estructura gausiana centrada en la longitud central y con desvío estándar de 45° (de manera que 2*SD ~ 90°).</a:t>
+            </a:r>
+          </a:p>
+        </p:txBody>
+      </p:sp>
+    </p:spTree>
+  </p:cSld>
+</p:sld>
+</file>
+
+<file path=ppt/slides/slide19.xml><?xml version="1.0" encoding="utf-8"?>
+<p:sld xmlns:a="http://schemas.openxmlformats.org/drawingml/2006/main" xmlns:r="http://schemas.openxmlformats.org/officeDocument/2006/relationships" xmlns:p="http://schemas.openxmlformats.org/presentationml/2006/main">
+  <p:cSld>
+    <p:spTree>
+      <p:nvGrpSpPr>
+        <p:cNvPr id="1" name=""/>
+        <p:cNvGrpSpPr/>
+        <p:nvPr/>
+      </p:nvGrpSpPr>
+      <p:grpSpPr>
+        <a:xfrm>
+          <a:off x="0" y="0"/>
+          <a:ext cx="0" cy="0"/>
+          <a:chOff x="0" y="0"/>
+          <a:chExt cx="0" cy="0"/>
+        </a:xfrm>
+      </p:grpSpPr>
+      <p:pic>
+        <p:nvPicPr>
+          <p:cNvPr descr="fig/27-CKV/unnamed-chunk-10-1.png" id="0" name="Picture 1"/>
+          <p:cNvPicPr>
+            <a:picLocks noGrp="1" noChangeAspect="1"/>
+          </p:cNvPicPr>
+          <p:nvPr/>
+        </p:nvPicPr>
+        <p:blipFill>
+          <a:blip r:embed="rId2"/>
+          <a:stretch>
+            <a:fillRect/>
+          </a:stretch>
+        </p:blipFill>
+        <p:spPr bwMode="auto">
+          <a:xfrm>
+            <a:off x="977900" y="127000"/>
+            <a:ext cx="10160000" cy="6032500"/>
+          </a:xfrm>
+          <a:prstGeom prst="rect">
+            <a:avLst/>
+          </a:prstGeom>
+          <a:noFill/>
+          <a:ln w="9525">
+            <a:noFill/>
+            <a:headEnd/>
+            <a:tailEnd/>
+          </a:ln>
+        </p:spPr>
+      </p:pic>
+      <p:sp>
+        <p:nvSpPr>
+          <p:cNvPr id="1" name="TextBox 3"/>
+          <p:cNvSpPr txBox="1"/>
+          <p:nvPr/>
+        </p:nvSpPr>
+        <p:spPr>
+          <a:xfrm>
+            <a:off x="177800" y="6159500"/>
+            <a:ext cx="11772900" cy="508000"/>
+          </a:xfrm>
+          <a:prstGeom prst="rect">
+            <a:avLst/>
+          </a:prstGeom>
+          <a:noFill/>
+        </p:spPr>
+        <p:txBody>
+          <a:bodyPr/>
+          <a:lstStyle/>
+          <a:p>
+            <a:pPr lvl="0" marL="0" indent="0" algn="ctr">
+              <a:buNone/>
+            </a:pPr>
+            <a:r>
+              <a:rPr/>
+              <a:t>Ejemplo</a:t>
+            </a:r>
+            <a:r>
+              <a:rPr/>
+              <a:t> </a:t>
+            </a:r>
+            <a:r>
+              <a:rPr/>
+              <a:t>de</a:t>
+            </a:r>
+            <a:r>
+              <a:rPr/>
+              <a:t> </a:t>
+            </a:r>
+            <a:r>
+              <a:rPr/>
+              <a:t>un</a:t>
+            </a:r>
+            <a:r>
+              <a:rPr/>
+              <a:t> </a:t>
+            </a:r>
+            <a:r>
+              <a:rPr/>
+              <a:t>evento</a:t>
+            </a:r>
+            <a:r>
+              <a:rPr/>
+              <a:t> </a:t>
+            </a:r>
+            <a:r>
+              <a:rPr/>
+              <a:t>simulado.</a:t>
+            </a:r>
+            <a:r>
+              <a:rPr/>
+              <a:t> </a:t>
+            </a:r>
+            <a:r>
+              <a:rPr/>
+              <a:t>El</a:t>
+            </a:r>
+            <a:r>
+              <a:rPr/>
+              <a:t> </a:t>
+            </a:r>
+            <a:r>
+              <a:rPr/>
+              <a:t>patrón</a:t>
+            </a:r>
+            <a:r>
+              <a:rPr/>
+              <a:t> </a:t>
+            </a:r>
+            <a:r>
+              <a:rPr/>
+              <a:t>anular</a:t>
+            </a:r>
+            <a:r>
+              <a:rPr/>
+              <a:t> </a:t>
+            </a:r>
+            <a:r>
+              <a:rPr/>
+              <a:t>correspondiente</a:t>
+            </a:r>
+            <a:r>
+              <a:rPr/>
+              <a:t> </a:t>
+            </a:r>
+            <a:r>
+              <a:rPr/>
+              <a:t>(arriba)</a:t>
+            </a:r>
+            <a:r>
+              <a:rPr/>
+              <a:t> </a:t>
+            </a:r>
+            <a:r>
+              <a:rPr/>
+              <a:t>se</a:t>
+            </a:r>
+            <a:r>
+              <a:rPr/>
+              <a:t> </a:t>
+            </a:r>
+            <a:r>
+              <a:rPr/>
+              <a:t>multiplica</a:t>
+            </a:r>
+            <a:r>
+              <a:rPr/>
+              <a:t> </a:t>
+            </a:r>
+            <a:r>
+              <a:rPr/>
+              <a:t>por</a:t>
+            </a:r>
+            <a:r>
+              <a:rPr/>
+              <a:t> </a:t>
+            </a:r>
+            <a:r>
+              <a:rPr/>
+              <a:t>la</a:t>
+            </a:r>
+            <a:r>
+              <a:rPr/>
+              <a:t> </a:t>
+            </a:r>
+            <a:r>
+              <a:rPr/>
+              <a:t>locailzación</a:t>
+            </a:r>
+            <a:r>
+              <a:rPr/>
+              <a:t> </a:t>
+            </a:r>
+            <a:r>
+              <a:rPr/>
+              <a:t>(centro)</a:t>
+            </a:r>
+            <a:r>
+              <a:rPr/>
+              <a:t> </a:t>
+            </a:r>
+            <a:r>
+              <a:rPr/>
+              <a:t>y</a:t>
+            </a:r>
+            <a:r>
+              <a:rPr/>
+              <a:t> </a:t>
+            </a:r>
+            <a:r>
+              <a:rPr/>
+              <a:t>resulta</a:t>
+            </a:r>
+            <a:r>
+              <a:rPr/>
+              <a:t> </a:t>
+            </a:r>
+            <a:r>
+              <a:rPr/>
+              <a:t>en</a:t>
+            </a:r>
+            <a:r>
+              <a:rPr/>
+              <a:t> </a:t>
+            </a:r>
+            <a:r>
+              <a:rPr/>
+              <a:t>el</a:t>
+            </a:r>
+            <a:r>
+              <a:rPr/>
+              <a:t> </a:t>
+            </a:r>
+            <a:r>
+              <a:rPr/>
+              <a:t>patrón</a:t>
+            </a:r>
+            <a:r>
+              <a:rPr/>
+              <a:t> </a:t>
+            </a:r>
+            <a:r>
+              <a:rPr/>
+              <a:t>localizado</a:t>
+            </a:r>
+            <a:r>
+              <a:rPr/>
+              <a:t> </a:t>
+            </a:r>
+            <a:r>
+              <a:rPr/>
+              <a:t>(abajo).</a:t>
             </a:r>
           </a:p>
         </p:txBody>
@@ -6000,6 +6355,834 @@
             <a:r>
               <a:rPr/>
               <a:t>Del modelo aquaplanet ven que aparece un módulo anular en el primer EOF perfectamente zonalmente simétrico (salvo pequeños desvíos debido a la muestra finita) pero que cuando ven los “eventos” particulares, éstos tienen asimetrías zonales.</a:t>
+            </a:r>
+          </a:p>
+        </p:txBody>
+      </p:sp>
+    </p:spTree>
+  </p:cSld>
+</p:sld>
+</file>
+
+<file path=ppt/slides/slide20.xml><?xml version="1.0" encoding="utf-8"?>
+<p:sld xmlns:a="http://schemas.openxmlformats.org/drawingml/2006/main" xmlns:r="http://schemas.openxmlformats.org/officeDocument/2006/relationships" xmlns:p="http://schemas.openxmlformats.org/presentationml/2006/main">
+  <p:cSld>
+    <p:spTree>
+      <p:nvGrpSpPr>
+        <p:cNvPr id="1" name=""/>
+        <p:cNvGrpSpPr/>
+        <p:nvPr/>
+      </p:nvGrpSpPr>
+      <p:grpSpPr>
+        <a:xfrm>
+          <a:off x="0" y="0"/>
+          <a:ext cx="0" cy="0"/>
+          <a:chOff x="0" y="0"/>
+          <a:chExt cx="0" cy="0"/>
+        </a:xfrm>
+      </p:grpSpPr>
+      <p:pic>
+        <p:nvPicPr>
+          <p:cNvPr descr="fig/27-CKV/unnamed-chunk-12-1.png" id="0" name="Picture 1"/>
+          <p:cNvPicPr>
+            <a:picLocks noGrp="1" noChangeAspect="1"/>
+          </p:cNvPicPr>
+          <p:nvPr/>
+        </p:nvPicPr>
+        <p:blipFill>
+          <a:blip r:embed="rId2"/>
+          <a:stretch>
+            <a:fillRect/>
+          </a:stretch>
+        </p:blipFill>
+        <p:spPr bwMode="auto">
+          <a:xfrm>
+            <a:off x="977900" y="127000"/>
+            <a:ext cx="10160000" cy="6032500"/>
+          </a:xfrm>
+          <a:prstGeom prst="rect">
+            <a:avLst/>
+          </a:prstGeom>
+          <a:noFill/>
+          <a:ln w="9525">
+            <a:noFill/>
+            <a:headEnd/>
+            <a:tailEnd/>
+          </a:ln>
+        </p:spPr>
+      </p:pic>
+      <p:sp>
+        <p:nvSpPr>
+          <p:cNvPr id="1" name="TextBox 3"/>
+          <p:cNvSpPr txBox="1"/>
+          <p:nvPr/>
+        </p:nvSpPr>
+        <p:spPr>
+          <a:xfrm>
+            <a:off x="177800" y="6159500"/>
+            <a:ext cx="11772900" cy="508000"/>
+          </a:xfrm>
+          <a:prstGeom prst="rect">
+            <a:avLst/>
+          </a:prstGeom>
+          <a:noFill/>
+        </p:spPr>
+        <p:txBody>
+          <a:bodyPr/>
+          <a:lstStyle/>
+          <a:p>
+            <a:pPr lvl="0" marL="0" indent="0" algn="ctr">
+              <a:buNone/>
+            </a:pPr>
+            <a:r>
+              <a:rPr/>
+              <a:t>Patrón</a:t>
+            </a:r>
+            <a:r>
+              <a:rPr/>
+              <a:t> </a:t>
+            </a:r>
+            <a:r>
+              <a:rPr/>
+              <a:t>espacial</a:t>
+            </a:r>
+            <a:r>
+              <a:rPr/>
+              <a:t> </a:t>
+            </a:r>
+            <a:r>
+              <a:rPr/>
+              <a:t>del</a:t>
+            </a:r>
+            <a:r>
+              <a:rPr/>
+              <a:t> </a:t>
+            </a:r>
+            <a:r>
+              <a:rPr/>
+              <a:t>EOF1</a:t>
+            </a:r>
+            <a:r>
+              <a:rPr/>
+              <a:t> </a:t>
+            </a:r>
+            <a:r>
+              <a:rPr/>
+              <a:t>de</a:t>
+            </a:r>
+            <a:r>
+              <a:rPr/>
+              <a:t> </a:t>
+            </a:r>
+            <a:r>
+              <a:rPr/>
+              <a:t>los</a:t>
+            </a:r>
+            <a:r>
+              <a:rPr/>
+              <a:t> </a:t>
+            </a:r>
+            <a:r>
+              <a:rPr/>
+              <a:t>datos</a:t>
+            </a:r>
+            <a:r>
+              <a:rPr/>
+              <a:t> </a:t>
+            </a:r>
+            <a:r>
+              <a:rPr/>
+              <a:t>simulados</a:t>
+            </a:r>
+          </a:p>
+        </p:txBody>
+      </p:sp>
+    </p:spTree>
+  </p:cSld>
+</p:sld>
+</file>
+
+<file path=ppt/slides/slide21.xml><?xml version="1.0" encoding="utf-8"?>
+<p:sld xmlns:a="http://schemas.openxmlformats.org/drawingml/2006/main" xmlns:r="http://schemas.openxmlformats.org/officeDocument/2006/relationships" xmlns:p="http://schemas.openxmlformats.org/presentationml/2006/main">
+  <p:cSld>
+    <p:spTree>
+      <p:nvGrpSpPr>
+        <p:cNvPr id="1" name=""/>
+        <p:cNvGrpSpPr/>
+        <p:nvPr/>
+      </p:nvGrpSpPr>
+      <p:grpSpPr>
+        <a:xfrm>
+          <a:off x="0" y="0"/>
+          <a:ext cx="0" cy="0"/>
+          <a:chOff x="0" y="0"/>
+          <a:chExt cx="0" cy="0"/>
+        </a:xfrm>
+      </p:grpSpPr>
+      <p:sp>
+        <p:nvSpPr>
+          <p:cNvPr id="3" name="Content Placeholder 2"/>
+          <p:cNvSpPr>
+            <a:spLocks noGrp="1"/>
+          </p:cNvSpPr>
+          <p:nvPr>
+            <p:ph idx="1"/>
+          </p:nvPr>
+        </p:nvSpPr>
+        <p:spPr/>
+        <p:txBody>
+          <a:bodyPr/>
+          <a:lstStyle/>
+          <a:p>
+            <a:pPr lvl="0" marL="0" indent="0">
+              <a:buNone/>
+            </a:pPr>
+            <a:r>
+              <a:rPr/>
+              <a:t>Haciendo EOF a los datos con patrón anular localizado se consigue un patrón anular entero. Esto confirma el argumento de CKV de que un EOF anular no implica necesariemnte que la variabilidad sea anular.</a:t>
+            </a:r>
+          </a:p>
+        </p:txBody>
+      </p:sp>
+    </p:spTree>
+  </p:cSld>
+</p:sld>
+</file>
+
+<file path=ppt/slides/slide22.xml><?xml version="1.0" encoding="utf-8"?>
+<p:sld xmlns:a="http://schemas.openxmlformats.org/drawingml/2006/main" xmlns:r="http://schemas.openxmlformats.org/officeDocument/2006/relationships" xmlns:p="http://schemas.openxmlformats.org/presentationml/2006/main">
+  <p:cSld>
+    <p:spTree>
+      <p:nvGrpSpPr>
+        <p:cNvPr id="1" name=""/>
+        <p:cNvGrpSpPr/>
+        <p:nvPr/>
+      </p:nvGrpSpPr>
+      <p:grpSpPr>
+        <a:xfrm>
+          <a:off x="0" y="0"/>
+          <a:ext cx="0" cy="0"/>
+          <a:chOff x="0" y="0"/>
+          <a:chExt cx="0" cy="0"/>
+        </a:xfrm>
+      </p:grpSpPr>
+      <p:pic>
+        <p:nvPicPr>
+          <p:cNvPr descr="fig/27-CKV/unnamed-chunk-13-1.png" id="0" name="Picture 1"/>
+          <p:cNvPicPr>
+            <a:picLocks noGrp="1" noChangeAspect="1"/>
+          </p:cNvPicPr>
+          <p:nvPr/>
+        </p:nvPicPr>
+        <p:blipFill>
+          <a:blip r:embed="rId2"/>
+          <a:stretch>
+            <a:fillRect/>
+          </a:stretch>
+        </p:blipFill>
+        <p:spPr bwMode="auto">
+          <a:xfrm>
+            <a:off x="977900" y="127000"/>
+            <a:ext cx="10160000" cy="6032500"/>
+          </a:xfrm>
+          <a:prstGeom prst="rect">
+            <a:avLst/>
+          </a:prstGeom>
+          <a:noFill/>
+          <a:ln w="9525">
+            <a:noFill/>
+            <a:headEnd/>
+            <a:tailEnd/>
+          </a:ln>
+        </p:spPr>
+      </p:pic>
+      <p:sp>
+        <p:nvSpPr>
+          <p:cNvPr id="1" name="TextBox 3"/>
+          <p:cNvSpPr txBox="1"/>
+          <p:nvPr/>
+        </p:nvSpPr>
+        <p:spPr>
+          <a:xfrm>
+            <a:off x="177800" y="6159500"/>
+            <a:ext cx="11772900" cy="508000"/>
+          </a:xfrm>
+          <a:prstGeom prst="rect">
+            <a:avLst/>
+          </a:prstGeom>
+          <a:noFill/>
+        </p:spPr>
+        <p:txBody>
+          <a:bodyPr/>
+          <a:lstStyle/>
+          <a:p>
+            <a:pPr lvl="0" marL="0" indent="0" algn="ctr">
+              <a:buNone/>
+            </a:pPr>
+            <a:r>
+              <a:rPr/>
+              <a:t>Correlación</a:t>
+            </a:r>
+            <a:r>
+              <a:rPr/>
+              <a:t> </a:t>
+            </a:r>
+            <a:r>
+              <a:rPr/>
+              <a:t>de</a:t>
+            </a:r>
+            <a:r>
+              <a:rPr/>
+              <a:t> </a:t>
+            </a:r>
+            <a:r>
+              <a:rPr/>
+              <a:t>los</a:t>
+            </a:r>
+            <a:r>
+              <a:rPr/>
+              <a:t> </a:t>
+            </a:r>
+            <a:r>
+              <a:rPr/>
+              <a:t>índices</a:t>
+            </a:r>
+            <a:r>
+              <a:rPr/>
+              <a:t> </a:t>
+            </a:r>
+            <a:r>
+              <a:rPr/>
+              <a:t>locales</a:t>
+            </a:r>
+            <a:r>
+              <a:rPr/>
+              <a:t> </a:t>
+            </a:r>
+            <a:r>
+              <a:rPr/>
+              <a:t>con</a:t>
+            </a:r>
+            <a:r>
+              <a:rPr/>
+              <a:t> </a:t>
+            </a:r>
+            <a:r>
+              <a:rPr/>
+              <a:t>el</a:t>
+            </a:r>
+            <a:r>
+              <a:rPr/>
+              <a:t> </a:t>
+            </a:r>
+            <a:r>
+              <a:rPr/>
+              <a:t>índice</a:t>
+            </a:r>
+            <a:r>
+              <a:rPr/>
+              <a:t> </a:t>
+            </a:r>
+            <a:r>
+              <a:rPr/>
+              <a:t>anular</a:t>
+            </a:r>
+            <a:r>
+              <a:rPr/>
+              <a:t> </a:t>
+            </a:r>
+            <a:r>
+              <a:rPr/>
+              <a:t>para</a:t>
+            </a:r>
+            <a:r>
+              <a:rPr/>
+              <a:t> </a:t>
+            </a:r>
+            <a:r>
+              <a:rPr/>
+              <a:t>las</a:t>
+            </a:r>
+            <a:r>
+              <a:rPr/>
+              <a:t> </a:t>
+            </a:r>
+            <a:r>
+              <a:rPr/>
+              <a:t>simulaciones.</a:t>
+            </a:r>
+          </a:p>
+        </p:txBody>
+      </p:sp>
+    </p:spTree>
+  </p:cSld>
+</p:sld>
+</file>
+
+<file path=ppt/slides/slide23.xml><?xml version="1.0" encoding="utf-8"?>
+<p:sld xmlns:a="http://schemas.openxmlformats.org/drawingml/2006/main" xmlns:r="http://schemas.openxmlformats.org/officeDocument/2006/relationships" xmlns:p="http://schemas.openxmlformats.org/presentationml/2006/main">
+  <p:cSld>
+    <p:spTree>
+      <p:nvGrpSpPr>
+        <p:cNvPr id="1" name=""/>
+        <p:cNvGrpSpPr/>
+        <p:nvPr/>
+      </p:nvGrpSpPr>
+      <p:grpSpPr>
+        <a:xfrm>
+          <a:off x="0" y="0"/>
+          <a:ext cx="0" cy="0"/>
+          <a:chOff x="0" y="0"/>
+          <a:chExt cx="0" cy="0"/>
+        </a:xfrm>
+      </p:grpSpPr>
+      <p:pic>
+        <p:nvPicPr>
+          <p:cNvPr descr="fig/27-CKV/unnamed-chunk-14-1.png" id="0" name="Picture 1"/>
+          <p:cNvPicPr>
+            <a:picLocks noGrp="1" noChangeAspect="1"/>
+          </p:cNvPicPr>
+          <p:nvPr/>
+        </p:nvPicPr>
+        <p:blipFill>
+          <a:blip r:embed="rId2"/>
+          <a:stretch>
+            <a:fillRect/>
+          </a:stretch>
+        </p:blipFill>
+        <p:spPr bwMode="auto">
+          <a:xfrm>
+            <a:off x="977900" y="127000"/>
+            <a:ext cx="10160000" cy="6032500"/>
+          </a:xfrm>
+          <a:prstGeom prst="rect">
+            <a:avLst/>
+          </a:prstGeom>
+          <a:noFill/>
+          <a:ln w="9525">
+            <a:noFill/>
+            <a:headEnd/>
+            <a:tailEnd/>
+          </a:ln>
+        </p:spPr>
+      </p:pic>
+      <p:sp>
+        <p:nvSpPr>
+          <p:cNvPr id="1" name="TextBox 3"/>
+          <p:cNvSpPr txBox="1"/>
+          <p:nvPr/>
+        </p:nvSpPr>
+        <p:spPr>
+          <a:xfrm>
+            <a:off x="177800" y="6159500"/>
+            <a:ext cx="11772900" cy="508000"/>
+          </a:xfrm>
+          <a:prstGeom prst="rect">
+            <a:avLst/>
+          </a:prstGeom>
+          <a:noFill/>
+        </p:spPr>
+        <p:txBody>
+          <a:bodyPr/>
+          <a:lstStyle/>
+          <a:p>
+            <a:pPr lvl="0" marL="0" indent="0" algn="ctr">
+              <a:buNone/>
+            </a:pPr>
+            <a:r>
+              <a:rPr/>
+              <a:t>Correlación</a:t>
+            </a:r>
+            <a:r>
+              <a:rPr/>
+              <a:t> </a:t>
+            </a:r>
+            <a:r>
+              <a:rPr/>
+              <a:t>cruzada</a:t>
+            </a:r>
+            <a:r>
+              <a:rPr/>
+              <a:t> </a:t>
+            </a:r>
+            <a:r>
+              <a:rPr/>
+              <a:t>entre</a:t>
+            </a:r>
+            <a:r>
+              <a:rPr/>
+              <a:t> </a:t>
+            </a:r>
+            <a:r>
+              <a:rPr/>
+              <a:t>los</a:t>
+            </a:r>
+            <a:r>
+              <a:rPr/>
+              <a:t> </a:t>
+            </a:r>
+            <a:r>
+              <a:rPr/>
+              <a:t>índice</a:t>
+            </a:r>
+            <a:r>
+              <a:rPr/>
+              <a:t> </a:t>
+            </a:r>
+            <a:r>
+              <a:rPr/>
+              <a:t>anulares</a:t>
+            </a:r>
+            <a:r>
+              <a:rPr/>
+              <a:t> </a:t>
+            </a:r>
+            <a:r>
+              <a:rPr/>
+              <a:t>locales</a:t>
+            </a:r>
+            <a:r>
+              <a:rPr/>
+              <a:t> </a:t>
+            </a:r>
+            <a:r>
+              <a:rPr/>
+              <a:t>para</a:t>
+            </a:r>
+            <a:r>
+              <a:rPr/>
+              <a:t> </a:t>
+            </a:r>
+            <a:r>
+              <a:rPr/>
+              <a:t>el</a:t>
+            </a:r>
+            <a:r>
+              <a:rPr/>
+              <a:t> </a:t>
+            </a:r>
+            <a:r>
+              <a:rPr/>
+              <a:t>modelo</a:t>
+            </a:r>
+            <a:r>
+              <a:rPr/>
+              <a:t> </a:t>
+            </a:r>
+            <a:r>
+              <a:rPr/>
+              <a:t>estadístico</a:t>
+            </a:r>
+            <a:r>
+              <a:rPr/>
+              <a:t> </a:t>
+            </a:r>
+            <a:r>
+              <a:rPr/>
+              <a:t>(izquierdsa)</a:t>
+            </a:r>
+            <a:r>
+              <a:rPr/>
+              <a:t> </a:t>
+            </a:r>
+            <a:r>
+              <a:rPr/>
+              <a:t>y</a:t>
+            </a:r>
+            <a:r>
+              <a:rPr/>
+              <a:t> </a:t>
+            </a:r>
+            <a:r>
+              <a:rPr/>
+              <a:t>para</a:t>
+            </a:r>
+            <a:r>
+              <a:rPr/>
+              <a:t> </a:t>
+            </a:r>
+            <a:r>
+              <a:rPr/>
+              <a:t>las</a:t>
+            </a:r>
+            <a:r>
+              <a:rPr/>
+              <a:t> </a:t>
+            </a:r>
+            <a:r>
+              <a:rPr/>
+              <a:t>observaciones</a:t>
+            </a:r>
+            <a:r>
+              <a:rPr/>
+              <a:t> </a:t>
+            </a:r>
+            <a:r>
+              <a:rPr/>
+              <a:t>(derecha).</a:t>
+            </a:r>
+          </a:p>
+        </p:txBody>
+      </p:sp>
+    </p:spTree>
+  </p:cSld>
+</p:sld>
+</file>
+
+<file path=ppt/slides/slide24.xml><?xml version="1.0" encoding="utf-8"?>
+<p:sld xmlns:a="http://schemas.openxmlformats.org/drawingml/2006/main" xmlns:r="http://schemas.openxmlformats.org/officeDocument/2006/relationships" xmlns:p="http://schemas.openxmlformats.org/presentationml/2006/main">
+  <p:cSld>
+    <p:spTree>
+      <p:nvGrpSpPr>
+        <p:cNvPr id="1" name=""/>
+        <p:cNvGrpSpPr/>
+        <p:nvPr/>
+      </p:nvGrpSpPr>
+      <p:grpSpPr>
+        <a:xfrm>
+          <a:off x="0" y="0"/>
+          <a:ext cx="0" cy="0"/>
+          <a:chOff x="0" y="0"/>
+          <a:chExt cx="0" cy="0"/>
+        </a:xfrm>
+      </p:grpSpPr>
+      <p:pic>
+        <p:nvPicPr>
+          <p:cNvPr descr="fig/27-CKV/unnamed-chunk-15-1.png" id="0" name="Picture 1"/>
+          <p:cNvPicPr>
+            <a:picLocks noGrp="1" noChangeAspect="1"/>
+          </p:cNvPicPr>
+          <p:nvPr/>
+        </p:nvPicPr>
+        <p:blipFill>
+          <a:blip r:embed="rId2"/>
+          <a:stretch>
+            <a:fillRect/>
+          </a:stretch>
+        </p:blipFill>
+        <p:spPr bwMode="auto">
+          <a:xfrm>
+            <a:off x="977900" y="127000"/>
+            <a:ext cx="10160000" cy="6032500"/>
+          </a:xfrm>
+          <a:prstGeom prst="rect">
+            <a:avLst/>
+          </a:prstGeom>
+          <a:noFill/>
+          <a:ln w="9525">
+            <a:noFill/>
+            <a:headEnd/>
+            <a:tailEnd/>
+          </a:ln>
+        </p:spPr>
+      </p:pic>
+      <p:sp>
+        <p:nvSpPr>
+          <p:cNvPr id="1" name="TextBox 3"/>
+          <p:cNvSpPr txBox="1"/>
+          <p:nvPr/>
+        </p:nvSpPr>
+        <p:spPr>
+          <a:xfrm>
+            <a:off x="177800" y="6159500"/>
+            <a:ext cx="11772900" cy="508000"/>
+          </a:xfrm>
+          <a:prstGeom prst="rect">
+            <a:avLst/>
+          </a:prstGeom>
+          <a:noFill/>
+        </p:spPr>
+        <p:txBody>
+          <a:bodyPr/>
+          <a:lstStyle/>
+          <a:p>
+            <a:pPr lvl="0" marL="0" indent="0" algn="ctr">
+              <a:buNone/>
+            </a:pPr>
+            <a:r>
+              <a:rPr/>
+              <a:t>Correlación</a:t>
+            </a:r>
+            <a:r>
+              <a:rPr/>
+              <a:t> </a:t>
+            </a:r>
+            <a:r>
+              <a:rPr/>
+              <a:t>cruzada</a:t>
+            </a:r>
+            <a:r>
+              <a:rPr/>
+              <a:t> </a:t>
+            </a:r>
+            <a:r>
+              <a:rPr/>
+              <a:t>de</a:t>
+            </a:r>
+            <a:r>
+              <a:rPr/>
+              <a:t> </a:t>
+            </a:r>
+            <a:r>
+              <a:rPr/>
+              <a:t>las</a:t>
+            </a:r>
+            <a:r>
+              <a:rPr/>
+              <a:t> </a:t>
+            </a:r>
+            <a:r>
+              <a:rPr/>
+              <a:t>observaciones</a:t>
+            </a:r>
+            <a:r>
+              <a:rPr/>
+              <a:t> </a:t>
+            </a:r>
+            <a:r>
+              <a:rPr/>
+              <a:t>menos</a:t>
+            </a:r>
+            <a:r>
+              <a:rPr/>
+              <a:t> </a:t>
+            </a:r>
+            <a:r>
+              <a:rPr/>
+              <a:t>del</a:t>
+            </a:r>
+            <a:r>
+              <a:rPr/>
+              <a:t> </a:t>
+            </a:r>
+            <a:r>
+              <a:rPr/>
+              <a:t>modelo.</a:t>
+            </a:r>
+          </a:p>
+        </p:txBody>
+      </p:sp>
+    </p:spTree>
+  </p:cSld>
+</p:sld>
+</file>
+
+<file path=ppt/slides/slide25.xml><?xml version="1.0" encoding="utf-8"?>
+<p:sld xmlns:a="http://schemas.openxmlformats.org/drawingml/2006/main" xmlns:r="http://schemas.openxmlformats.org/officeDocument/2006/relationships" xmlns:p="http://schemas.openxmlformats.org/presentationml/2006/main">
+  <p:cSld>
+    <p:spTree>
+      <p:nvGrpSpPr>
+        <p:cNvPr id="1" name=""/>
+        <p:cNvGrpSpPr/>
+        <p:nvPr/>
+      </p:nvGrpSpPr>
+      <p:grpSpPr>
+        <a:xfrm>
+          <a:off x="0" y="0"/>
+          <a:ext cx="0" cy="0"/>
+          <a:chOff x="0" y="0"/>
+          <a:chExt cx="0" cy="0"/>
+        </a:xfrm>
+      </p:grpSpPr>
+      <p:sp>
+        <p:nvSpPr>
+          <p:cNvPr id="3" name="Content Placeholder 2"/>
+          <p:cNvSpPr>
+            <a:spLocks noGrp="1"/>
+          </p:cNvSpPr>
+          <p:nvPr>
+            <p:ph idx="1"/>
+          </p:nvPr>
+        </p:nvSpPr>
+        <p:spPr/>
+        <p:txBody>
+          <a:bodyPr/>
+          <a:lstStyle/>
+          <a:p>
+            <a:pPr lvl="0" marL="0" indent="0">
+              <a:buNone/>
+            </a:pPr>
+            <a:r>
+              <a:rPr/>
+              <a:t>Las correlaciones son bastante distintas. Las observaciones tiene una coherencia espacial significativamente mayor que el modelo estadístico.</a:t>
+            </a:r>
+          </a:p>
+        </p:txBody>
+      </p:sp>
+    </p:spTree>
+  </p:cSld>
+</p:sld>
+</file>
+
+<file path=ppt/slides/slide26.xml><?xml version="1.0" encoding="utf-8"?>
+<p:sld xmlns:a="http://schemas.openxmlformats.org/drawingml/2006/main" xmlns:r="http://schemas.openxmlformats.org/officeDocument/2006/relationships" xmlns:p="http://schemas.openxmlformats.org/presentationml/2006/main">
+  <p:cSld>
+    <p:spTree>
+      <p:nvGrpSpPr>
+        <p:cNvPr id="1" name=""/>
+        <p:cNvGrpSpPr/>
+        <p:nvPr/>
+      </p:nvGrpSpPr>
+      <p:grpSpPr>
+        <a:xfrm>
+          <a:off x="0" y="0"/>
+          <a:ext cx="0" cy="0"/>
+          <a:chOff x="0" y="0"/>
+          <a:chExt cx="0" cy="0"/>
+        </a:xfrm>
+      </p:grpSpPr>
+      <p:sp>
+        <p:nvSpPr>
+          <p:cNvPr id="3" name="Content Placeholder 2"/>
+          <p:cNvSpPr>
+            <a:spLocks noGrp="1"/>
+          </p:cNvSpPr>
+          <p:nvPr>
+            <p:ph idx="1"/>
+          </p:nvPr>
+        </p:nvSpPr>
+        <p:spPr/>
+        <p:txBody>
+          <a:bodyPr/>
+          <a:lstStyle/>
+          <a:p>
+            <a:pPr lvl="0" marL="0" indent="0">
+              <a:spcBef>
+                <a:spcPts val="3000"/>
+              </a:spcBef>
+              <a:buNone/>
+            </a:pPr>
+            <a:r>
+              <a:rPr b="1"/>
+              <a:t>Conclusión:</a:t>
+            </a:r>
+          </a:p>
+          <a:p>
+            <a:pPr lvl="1"/>
+            <a:r>
+              <a:rPr/>
+              <a:t>El punto de CKV es correcto: ver un modo anular en el EOF no implica necesariamente que éste exista en los datos; puede ser un artefacto estadístico.</a:t>
+            </a:r>
+          </a:p>
+          <a:p>
+            <a:pPr lvl="1"/>
+            <a:r>
+              <a:rPr/>
+              <a:t>Usando los datos de reanálisis, el patrón anular aparece coherente usando varias metodologías distintas, por lo que no parece ser un artefacto estadístico sino unaa característica física coherente de la atmósfera.</a:t>
+            </a:r>
+          </a:p>
+          <a:p>
+            <a:pPr lvl="1"/>
+            <a:r>
+              <a:rPr/>
+              <a:t>De todas formas, el análisis de la hipótesis nula simulada muestra que aún en un caso de modo anular localizado las correlaciones entre un anular hemissférico y los íncides locales puede ser sorprendentemente alta! Así que OJO con eso.</a:t>
+            </a:r>
+          </a:p>
+          <a:p>
+            <a:pPr lvl="1"/>
+            <a:r>
+              <a:rPr/>
+              <a:t>Casos específicos de “eventos SAM” por supuesto que no van a ser idénticos al patrón general ya que además están afectados por un montón de otros procesos.</a:t>
             </a:r>
           </a:p>
         </p:txBody>
